--- a/presentations/example1.pptx
+++ b/presentations/example1.pptx
@@ -106,6 +106,11 @@
       </a:defRPr>
     </a:lvl9pPr>
   </p:defaultTextStyle>
+  <p:extLst>
+    <p:ext uri="{EFAFB233-063F-42B5-8137-9DF3F51BA10A}">
+      <p15:sldGuideLst xmlns:p15="http://schemas.microsoft.com/office/powerpoint/2012/main"/>
+    </p:ext>
+  </p:extLst>
 </p:presentation>
 </file>
 
@@ -151,10 +156,9 @@
           </a:lstStyle>
           <a:p>
             <a:r>
-              <a:rPr lang="en-US" smtClean="0"/>
+              <a:rPr lang="en-US"/>
               <a:t>Click to edit Master title style</a:t>
             </a:r>
-            <a:endParaRPr lang="en-US"/>
           </a:p>
         </p:txBody>
       </p:sp>
@@ -216,10 +220,9 @@
           </a:lstStyle>
           <a:p>
             <a:r>
-              <a:rPr lang="en-US" smtClean="0"/>
+              <a:rPr lang="en-US"/>
               <a:t>Click to edit Master subtitle style</a:t>
             </a:r>
-            <a:endParaRPr lang="en-US"/>
           </a:p>
         </p:txBody>
       </p:sp>
@@ -240,7 +243,7 @@
           <a:p>
             <a:fld id="{C11E1CDD-0F0B-48EB-894F-B760F13C3058}" type="datetimeFigureOut">
               <a:rPr lang="en-US" smtClean="0"/>
-              <a:t>5/6/2021</a:t>
+              <a:t>5/8/2021</a:t>
             </a:fld>
             <a:endParaRPr lang="en-US"/>
           </a:p>
@@ -334,10 +337,9 @@
           <a:lstStyle/>
           <a:p>
             <a:r>
-              <a:rPr lang="en-US" smtClean="0"/>
+              <a:rPr lang="en-US"/>
               <a:t>Click to edit Master title style</a:t>
             </a:r>
-            <a:endParaRPr lang="en-US"/>
           </a:p>
         </p:txBody>
       </p:sp>
@@ -358,38 +360,37 @@
           <a:p>
             <a:pPr lvl="0"/>
             <a:r>
-              <a:rPr lang="en-US" smtClean="0"/>
+              <a:rPr lang="en-US"/>
               <a:t>Edit Master text styles</a:t>
             </a:r>
           </a:p>
           <a:p>
             <a:pPr lvl="1"/>
             <a:r>
-              <a:rPr lang="en-US" smtClean="0"/>
+              <a:rPr lang="en-US"/>
               <a:t>Second level</a:t>
             </a:r>
           </a:p>
           <a:p>
             <a:pPr lvl="2"/>
             <a:r>
-              <a:rPr lang="en-US" smtClean="0"/>
+              <a:rPr lang="en-US"/>
               <a:t>Third level</a:t>
             </a:r>
           </a:p>
           <a:p>
             <a:pPr lvl="3"/>
             <a:r>
-              <a:rPr lang="en-US" smtClean="0"/>
+              <a:rPr lang="en-US"/>
               <a:t>Fourth level</a:t>
             </a:r>
           </a:p>
           <a:p>
             <a:pPr lvl="4"/>
             <a:r>
-              <a:rPr lang="en-US" smtClean="0"/>
+              <a:rPr lang="en-US"/>
               <a:t>Fifth level</a:t>
             </a:r>
-            <a:endParaRPr lang="en-US"/>
           </a:p>
         </p:txBody>
       </p:sp>
@@ -410,7 +411,7 @@
           <a:p>
             <a:fld id="{C11E1CDD-0F0B-48EB-894F-B760F13C3058}" type="datetimeFigureOut">
               <a:rPr lang="en-US" smtClean="0"/>
-              <a:t>5/6/2021</a:t>
+              <a:t>5/8/2021</a:t>
             </a:fld>
             <a:endParaRPr lang="en-US"/>
           </a:p>
@@ -509,10 +510,9 @@
           <a:lstStyle/>
           <a:p>
             <a:r>
-              <a:rPr lang="en-US" smtClean="0"/>
+              <a:rPr lang="en-US"/>
               <a:t>Click to edit Master title style</a:t>
             </a:r>
-            <a:endParaRPr lang="en-US"/>
           </a:p>
         </p:txBody>
       </p:sp>
@@ -538,38 +538,37 @@
           <a:p>
             <a:pPr lvl="0"/>
             <a:r>
-              <a:rPr lang="en-US" smtClean="0"/>
+              <a:rPr lang="en-US"/>
               <a:t>Edit Master text styles</a:t>
             </a:r>
           </a:p>
           <a:p>
             <a:pPr lvl="1"/>
             <a:r>
-              <a:rPr lang="en-US" smtClean="0"/>
+              <a:rPr lang="en-US"/>
               <a:t>Second level</a:t>
             </a:r>
           </a:p>
           <a:p>
             <a:pPr lvl="2"/>
             <a:r>
-              <a:rPr lang="en-US" smtClean="0"/>
+              <a:rPr lang="en-US"/>
               <a:t>Third level</a:t>
             </a:r>
           </a:p>
           <a:p>
             <a:pPr lvl="3"/>
             <a:r>
-              <a:rPr lang="en-US" smtClean="0"/>
+              <a:rPr lang="en-US"/>
               <a:t>Fourth level</a:t>
             </a:r>
           </a:p>
           <a:p>
             <a:pPr lvl="4"/>
             <a:r>
-              <a:rPr lang="en-US" smtClean="0"/>
+              <a:rPr lang="en-US"/>
               <a:t>Fifth level</a:t>
             </a:r>
-            <a:endParaRPr lang="en-US"/>
           </a:p>
         </p:txBody>
       </p:sp>
@@ -590,7 +589,7 @@
           <a:p>
             <a:fld id="{C11E1CDD-0F0B-48EB-894F-B760F13C3058}" type="datetimeFigureOut">
               <a:rPr lang="en-US" smtClean="0"/>
-              <a:t>5/6/2021</a:t>
+              <a:t>5/8/2021</a:t>
             </a:fld>
             <a:endParaRPr lang="en-US"/>
           </a:p>
@@ -684,10 +683,9 @@
           <a:lstStyle/>
           <a:p>
             <a:r>
-              <a:rPr lang="en-US" smtClean="0"/>
+              <a:rPr lang="en-US"/>
               <a:t>Click to edit Master title style</a:t>
             </a:r>
-            <a:endParaRPr lang="en-US"/>
           </a:p>
         </p:txBody>
       </p:sp>
@@ -708,38 +706,37 @@
           <a:p>
             <a:pPr lvl="0"/>
             <a:r>
-              <a:rPr lang="en-US" smtClean="0"/>
+              <a:rPr lang="en-US"/>
               <a:t>Edit Master text styles</a:t>
             </a:r>
           </a:p>
           <a:p>
             <a:pPr lvl="1"/>
             <a:r>
-              <a:rPr lang="en-US" smtClean="0"/>
+              <a:rPr lang="en-US"/>
               <a:t>Second level</a:t>
             </a:r>
           </a:p>
           <a:p>
             <a:pPr lvl="2"/>
             <a:r>
-              <a:rPr lang="en-US" smtClean="0"/>
+              <a:rPr lang="en-US"/>
               <a:t>Third level</a:t>
             </a:r>
           </a:p>
           <a:p>
             <a:pPr lvl="3"/>
             <a:r>
-              <a:rPr lang="en-US" smtClean="0"/>
+              <a:rPr lang="en-US"/>
               <a:t>Fourth level</a:t>
             </a:r>
           </a:p>
           <a:p>
             <a:pPr lvl="4"/>
             <a:r>
-              <a:rPr lang="en-US" smtClean="0"/>
+              <a:rPr lang="en-US"/>
               <a:t>Fifth level</a:t>
             </a:r>
-            <a:endParaRPr lang="en-US"/>
           </a:p>
         </p:txBody>
       </p:sp>
@@ -760,7 +757,7 @@
           <a:p>
             <a:fld id="{C11E1CDD-0F0B-48EB-894F-B760F13C3058}" type="datetimeFigureOut">
               <a:rPr lang="en-US" smtClean="0"/>
-              <a:t>5/6/2021</a:t>
+              <a:t>5/8/2021</a:t>
             </a:fld>
             <a:endParaRPr lang="en-US"/>
           </a:p>
@@ -863,10 +860,9 @@
           </a:lstStyle>
           <a:p>
             <a:r>
-              <a:rPr lang="en-US" smtClean="0"/>
+              <a:rPr lang="en-US"/>
               <a:t>Click to edit Master title style</a:t>
             </a:r>
-            <a:endParaRPr lang="en-US"/>
           </a:p>
         </p:txBody>
       </p:sp>
@@ -983,7 +979,7 @@
           <a:p>
             <a:pPr lvl="0"/>
             <a:r>
-              <a:rPr lang="en-US" smtClean="0"/>
+              <a:rPr lang="en-US"/>
               <a:t>Edit Master text styles</a:t>
             </a:r>
           </a:p>
@@ -1006,7 +1002,7 @@
           <a:p>
             <a:fld id="{C11E1CDD-0F0B-48EB-894F-B760F13C3058}" type="datetimeFigureOut">
               <a:rPr lang="en-US" smtClean="0"/>
-              <a:t>5/6/2021</a:t>
+              <a:t>5/8/2021</a:t>
             </a:fld>
             <a:endParaRPr lang="en-US"/>
           </a:p>
@@ -1100,10 +1096,9 @@
           <a:lstStyle/>
           <a:p>
             <a:r>
-              <a:rPr lang="en-US" smtClean="0"/>
+              <a:rPr lang="en-US"/>
               <a:t>Click to edit Master title style</a:t>
             </a:r>
-            <a:endParaRPr lang="en-US"/>
           </a:p>
         </p:txBody>
       </p:sp>
@@ -1129,38 +1124,37 @@
           <a:p>
             <a:pPr lvl="0"/>
             <a:r>
-              <a:rPr lang="en-US" smtClean="0"/>
+              <a:rPr lang="en-US"/>
               <a:t>Edit Master text styles</a:t>
             </a:r>
           </a:p>
           <a:p>
             <a:pPr lvl="1"/>
             <a:r>
-              <a:rPr lang="en-US" smtClean="0"/>
+              <a:rPr lang="en-US"/>
               <a:t>Second level</a:t>
             </a:r>
           </a:p>
           <a:p>
             <a:pPr lvl="2"/>
             <a:r>
-              <a:rPr lang="en-US" smtClean="0"/>
+              <a:rPr lang="en-US"/>
               <a:t>Third level</a:t>
             </a:r>
           </a:p>
           <a:p>
             <a:pPr lvl="3"/>
             <a:r>
-              <a:rPr lang="en-US" smtClean="0"/>
+              <a:rPr lang="en-US"/>
               <a:t>Fourth level</a:t>
             </a:r>
           </a:p>
           <a:p>
             <a:pPr lvl="4"/>
             <a:r>
-              <a:rPr lang="en-US" smtClean="0"/>
+              <a:rPr lang="en-US"/>
               <a:t>Fifth level</a:t>
             </a:r>
-            <a:endParaRPr lang="en-US"/>
           </a:p>
         </p:txBody>
       </p:sp>
@@ -1186,38 +1180,37 @@
           <a:p>
             <a:pPr lvl="0"/>
             <a:r>
-              <a:rPr lang="en-US" smtClean="0"/>
+              <a:rPr lang="en-US"/>
               <a:t>Edit Master text styles</a:t>
             </a:r>
           </a:p>
           <a:p>
             <a:pPr lvl="1"/>
             <a:r>
-              <a:rPr lang="en-US" smtClean="0"/>
+              <a:rPr lang="en-US"/>
               <a:t>Second level</a:t>
             </a:r>
           </a:p>
           <a:p>
             <a:pPr lvl="2"/>
             <a:r>
-              <a:rPr lang="en-US" smtClean="0"/>
+              <a:rPr lang="en-US"/>
               <a:t>Third level</a:t>
             </a:r>
           </a:p>
           <a:p>
             <a:pPr lvl="3"/>
             <a:r>
-              <a:rPr lang="en-US" smtClean="0"/>
+              <a:rPr lang="en-US"/>
               <a:t>Fourth level</a:t>
             </a:r>
           </a:p>
           <a:p>
             <a:pPr lvl="4"/>
             <a:r>
-              <a:rPr lang="en-US" smtClean="0"/>
+              <a:rPr lang="en-US"/>
               <a:t>Fifth level</a:t>
             </a:r>
-            <a:endParaRPr lang="en-US"/>
           </a:p>
         </p:txBody>
       </p:sp>
@@ -1238,7 +1231,7 @@
           <a:p>
             <a:fld id="{C11E1CDD-0F0B-48EB-894F-B760F13C3058}" type="datetimeFigureOut">
               <a:rPr lang="en-US" smtClean="0"/>
-              <a:t>5/6/2021</a:t>
+              <a:t>5/8/2021</a:t>
             </a:fld>
             <a:endParaRPr lang="en-US"/>
           </a:p>
@@ -1337,10 +1330,9 @@
           <a:lstStyle/>
           <a:p>
             <a:r>
-              <a:rPr lang="en-US" smtClean="0"/>
+              <a:rPr lang="en-US"/>
               <a:t>Click to edit Master title style</a:t>
             </a:r>
-            <a:endParaRPr lang="en-US"/>
           </a:p>
         </p:txBody>
       </p:sp>
@@ -1403,7 +1395,7 @@
           <a:p>
             <a:pPr lvl="0"/>
             <a:r>
-              <a:rPr lang="en-US" smtClean="0"/>
+              <a:rPr lang="en-US"/>
               <a:t>Edit Master text styles</a:t>
             </a:r>
           </a:p>
@@ -1431,38 +1423,37 @@
           <a:p>
             <a:pPr lvl="0"/>
             <a:r>
-              <a:rPr lang="en-US" smtClean="0"/>
+              <a:rPr lang="en-US"/>
               <a:t>Edit Master text styles</a:t>
             </a:r>
           </a:p>
           <a:p>
             <a:pPr lvl="1"/>
             <a:r>
-              <a:rPr lang="en-US" smtClean="0"/>
+              <a:rPr lang="en-US"/>
               <a:t>Second level</a:t>
             </a:r>
           </a:p>
           <a:p>
             <a:pPr lvl="2"/>
             <a:r>
-              <a:rPr lang="en-US" smtClean="0"/>
+              <a:rPr lang="en-US"/>
               <a:t>Third level</a:t>
             </a:r>
           </a:p>
           <a:p>
             <a:pPr lvl="3"/>
             <a:r>
-              <a:rPr lang="en-US" smtClean="0"/>
+              <a:rPr lang="en-US"/>
               <a:t>Fourth level</a:t>
             </a:r>
           </a:p>
           <a:p>
             <a:pPr lvl="4"/>
             <a:r>
-              <a:rPr lang="en-US" smtClean="0"/>
+              <a:rPr lang="en-US"/>
               <a:t>Fifth level</a:t>
             </a:r>
-            <a:endParaRPr lang="en-US"/>
           </a:p>
         </p:txBody>
       </p:sp>
@@ -1525,7 +1516,7 @@
           <a:p>
             <a:pPr lvl="0"/>
             <a:r>
-              <a:rPr lang="en-US" smtClean="0"/>
+              <a:rPr lang="en-US"/>
               <a:t>Edit Master text styles</a:t>
             </a:r>
           </a:p>
@@ -1553,38 +1544,37 @@
           <a:p>
             <a:pPr lvl="0"/>
             <a:r>
-              <a:rPr lang="en-US" smtClean="0"/>
+              <a:rPr lang="en-US"/>
               <a:t>Edit Master text styles</a:t>
             </a:r>
           </a:p>
           <a:p>
             <a:pPr lvl="1"/>
             <a:r>
-              <a:rPr lang="en-US" smtClean="0"/>
+              <a:rPr lang="en-US"/>
               <a:t>Second level</a:t>
             </a:r>
           </a:p>
           <a:p>
             <a:pPr lvl="2"/>
             <a:r>
-              <a:rPr lang="en-US" smtClean="0"/>
+              <a:rPr lang="en-US"/>
               <a:t>Third level</a:t>
             </a:r>
           </a:p>
           <a:p>
             <a:pPr lvl="3"/>
             <a:r>
-              <a:rPr lang="en-US" smtClean="0"/>
+              <a:rPr lang="en-US"/>
               <a:t>Fourth level</a:t>
             </a:r>
           </a:p>
           <a:p>
             <a:pPr lvl="4"/>
             <a:r>
-              <a:rPr lang="en-US" smtClean="0"/>
+              <a:rPr lang="en-US"/>
               <a:t>Fifth level</a:t>
             </a:r>
-            <a:endParaRPr lang="en-US"/>
           </a:p>
         </p:txBody>
       </p:sp>
@@ -1605,7 +1595,7 @@
           <a:p>
             <a:fld id="{C11E1CDD-0F0B-48EB-894F-B760F13C3058}" type="datetimeFigureOut">
               <a:rPr lang="en-US" smtClean="0"/>
-              <a:t>5/6/2021</a:t>
+              <a:t>5/8/2021</a:t>
             </a:fld>
             <a:endParaRPr lang="en-US"/>
           </a:p>
@@ -1699,10 +1689,9 @@
           <a:lstStyle/>
           <a:p>
             <a:r>
-              <a:rPr lang="en-US" smtClean="0"/>
+              <a:rPr lang="en-US"/>
               <a:t>Click to edit Master title style</a:t>
             </a:r>
-            <a:endParaRPr lang="en-US"/>
           </a:p>
         </p:txBody>
       </p:sp>
@@ -1723,7 +1712,7 @@
           <a:p>
             <a:fld id="{C11E1CDD-0F0B-48EB-894F-B760F13C3058}" type="datetimeFigureOut">
               <a:rPr lang="en-US" smtClean="0"/>
-              <a:t>5/6/2021</a:t>
+              <a:t>5/8/2021</a:t>
             </a:fld>
             <a:endParaRPr lang="en-US"/>
           </a:p>
@@ -1818,7 +1807,7 @@
           <a:p>
             <a:fld id="{C11E1CDD-0F0B-48EB-894F-B760F13C3058}" type="datetimeFigureOut">
               <a:rPr lang="en-US" smtClean="0"/>
-              <a:t>5/6/2021</a:t>
+              <a:t>5/8/2021</a:t>
             </a:fld>
             <a:endParaRPr lang="en-US"/>
           </a:p>
@@ -1921,10 +1910,9 @@
           </a:lstStyle>
           <a:p>
             <a:r>
-              <a:rPr lang="en-US" smtClean="0"/>
+              <a:rPr lang="en-US"/>
               <a:t>Click to edit Master title style</a:t>
             </a:r>
-            <a:endParaRPr lang="en-US"/>
           </a:p>
         </p:txBody>
       </p:sp>
@@ -1978,38 +1966,37 @@
           <a:p>
             <a:pPr lvl="0"/>
             <a:r>
-              <a:rPr lang="en-US" smtClean="0"/>
+              <a:rPr lang="en-US"/>
               <a:t>Edit Master text styles</a:t>
             </a:r>
           </a:p>
           <a:p>
             <a:pPr lvl="1"/>
             <a:r>
-              <a:rPr lang="en-US" smtClean="0"/>
+              <a:rPr lang="en-US"/>
               <a:t>Second level</a:t>
             </a:r>
           </a:p>
           <a:p>
             <a:pPr lvl="2"/>
             <a:r>
-              <a:rPr lang="en-US" smtClean="0"/>
+              <a:rPr lang="en-US"/>
               <a:t>Third level</a:t>
             </a:r>
           </a:p>
           <a:p>
             <a:pPr lvl="3"/>
             <a:r>
-              <a:rPr lang="en-US" smtClean="0"/>
+              <a:rPr lang="en-US"/>
               <a:t>Fourth level</a:t>
             </a:r>
           </a:p>
           <a:p>
             <a:pPr lvl="4"/>
             <a:r>
-              <a:rPr lang="en-US" smtClean="0"/>
+              <a:rPr lang="en-US"/>
               <a:t>Fifth level</a:t>
             </a:r>
-            <a:endParaRPr lang="en-US"/>
           </a:p>
         </p:txBody>
       </p:sp>
@@ -2072,7 +2059,7 @@
           <a:p>
             <a:pPr lvl="0"/>
             <a:r>
-              <a:rPr lang="en-US" smtClean="0"/>
+              <a:rPr lang="en-US"/>
               <a:t>Edit Master text styles</a:t>
             </a:r>
           </a:p>
@@ -2095,7 +2082,7 @@
           <a:p>
             <a:fld id="{C11E1CDD-0F0B-48EB-894F-B760F13C3058}" type="datetimeFigureOut">
               <a:rPr lang="en-US" smtClean="0"/>
-              <a:t>5/6/2021</a:t>
+              <a:t>5/8/2021</a:t>
             </a:fld>
             <a:endParaRPr lang="en-US"/>
           </a:p>
@@ -2198,10 +2185,9 @@
           </a:lstStyle>
           <a:p>
             <a:r>
-              <a:rPr lang="en-US" smtClean="0"/>
+              <a:rPr lang="en-US"/>
               <a:t>Click to edit Master title style</a:t>
             </a:r>
-            <a:endParaRPr lang="en-US"/>
           </a:p>
         </p:txBody>
       </p:sp>
@@ -2325,7 +2311,7 @@
           <a:p>
             <a:pPr lvl="0"/>
             <a:r>
-              <a:rPr lang="en-US" smtClean="0"/>
+              <a:rPr lang="en-US"/>
               <a:t>Edit Master text styles</a:t>
             </a:r>
           </a:p>
@@ -2348,7 +2334,7 @@
           <a:p>
             <a:fld id="{C11E1CDD-0F0B-48EB-894F-B760F13C3058}" type="datetimeFigureOut">
               <a:rPr lang="en-US" smtClean="0"/>
-              <a:t>5/6/2021</a:t>
+              <a:t>5/8/2021</a:t>
             </a:fld>
             <a:endParaRPr lang="en-US"/>
           </a:p>
@@ -2457,10 +2443,9 @@
           <a:lstStyle/>
           <a:p>
             <a:r>
-              <a:rPr lang="en-US" smtClean="0"/>
+              <a:rPr lang="en-US"/>
               <a:t>Click to edit Master title style</a:t>
             </a:r>
-            <a:endParaRPr lang="en-US"/>
           </a:p>
         </p:txBody>
       </p:sp>
@@ -2491,38 +2476,37 @@
           <a:p>
             <a:pPr lvl="0"/>
             <a:r>
-              <a:rPr lang="en-US" smtClean="0"/>
+              <a:rPr lang="en-US"/>
               <a:t>Edit Master text styles</a:t>
             </a:r>
           </a:p>
           <a:p>
             <a:pPr lvl="1"/>
             <a:r>
-              <a:rPr lang="en-US" smtClean="0"/>
+              <a:rPr lang="en-US"/>
               <a:t>Second level</a:t>
             </a:r>
           </a:p>
           <a:p>
             <a:pPr lvl="2"/>
             <a:r>
-              <a:rPr lang="en-US" smtClean="0"/>
+              <a:rPr lang="en-US"/>
               <a:t>Third level</a:t>
             </a:r>
           </a:p>
           <a:p>
             <a:pPr lvl="3"/>
             <a:r>
-              <a:rPr lang="en-US" smtClean="0"/>
+              <a:rPr lang="en-US"/>
               <a:t>Fourth level</a:t>
             </a:r>
           </a:p>
           <a:p>
             <a:pPr lvl="4"/>
             <a:r>
-              <a:rPr lang="en-US" smtClean="0"/>
+              <a:rPr lang="en-US"/>
               <a:t>Fifth level</a:t>
             </a:r>
-            <a:endParaRPr lang="en-US"/>
           </a:p>
         </p:txBody>
       </p:sp>
@@ -2561,7 +2545,7 @@
           <a:p>
             <a:fld id="{C11E1CDD-0F0B-48EB-894F-B760F13C3058}" type="datetimeFigureOut">
               <a:rPr lang="en-US" smtClean="0"/>
-              <a:t>5/6/2021</a:t>
+              <a:t>5/8/2021</a:t>
             </a:fld>
             <a:endParaRPr lang="en-US"/>
           </a:p>
@@ -2983,14 +2967,13 @@
           <a:p>
             <a:pPr algn="ctr"/>
             <a:r>
-              <a:rPr lang="ru-RU" dirty="0" smtClean="0"/>
+              <a:rPr lang="ru-RU" dirty="0"/>
               <a:t>Что такое </a:t>
             </a:r>
             <a:r>
-              <a:rPr lang="en-US" dirty="0" smtClean="0"/>
+              <a:rPr lang="en-US" dirty="0"/>
               <a:t>Spring</a:t>
             </a:r>
-            <a:endParaRPr lang="en-US" dirty="0"/>
           </a:p>
         </p:txBody>
       </p:sp>
@@ -3010,15 +2993,15 @@
           <a:lstStyle/>
           <a:p>
             <a:r>
-              <a:rPr lang="ru-RU" dirty="0" smtClean="0"/>
+              <a:rPr lang="ru-RU" dirty="0"/>
               <a:t>Если понятия не имеете, что такое </a:t>
             </a:r>
             <a:r>
-              <a:rPr lang="en-US" dirty="0" smtClean="0"/>
+              <a:rPr lang="en-US" dirty="0"/>
               <a:t>Spring. </a:t>
             </a:r>
             <a:r>
-              <a:rPr lang="ru-RU" dirty="0" smtClean="0"/>
+              <a:rPr lang="ru-RU" dirty="0"/>
               <a:t>То вот статья на </a:t>
             </a:r>
           </a:p>
@@ -3027,21 +3010,21 @@
               <a:buNone/>
             </a:pPr>
             <a:r>
-              <a:rPr lang="ru-RU" dirty="0" err="1" smtClean="0"/>
+              <a:rPr lang="ru-RU" dirty="0" err="1"/>
               <a:t>Хабре</a:t>
             </a:r>
             <a:r>
-              <a:rPr lang="ru-RU" dirty="0" smtClean="0"/>
+              <a:rPr lang="ru-RU" dirty="0"/>
               <a:t>: </a:t>
             </a:r>
             <a:r>
-              <a:rPr lang="en-US" dirty="0" smtClean="0">
+              <a:rPr lang="en-US" dirty="0">
                 <a:hlinkClick r:id="rId2"/>
               </a:rPr>
               <a:t>https://habr.com/ru/post/490586/</a:t>
             </a:r>
             <a:r>
-              <a:rPr lang="ru-RU" dirty="0" smtClean="0"/>
+              <a:rPr lang="ru-RU" dirty="0"/>
               <a:t> в которой доступно изложен материал.</a:t>
             </a:r>
           </a:p>
@@ -3051,18 +3034,14 @@
             </a:pPr>
             <a:r>
               <a:rPr lang="ru-RU" dirty="0"/>
-              <a:t>	</a:t>
-            </a:r>
-            <a:r>
-              <a:rPr lang="ru-RU" dirty="0" smtClean="0"/>
-              <a:t>Здесь же я буду объяснять </a:t>
-            </a:r>
-            <a:r>
-              <a:rPr lang="en-US" dirty="0" smtClean="0"/>
+              <a:t>	Здесь же я буду объяснять </a:t>
+            </a:r>
+            <a:r>
+              <a:rPr lang="en-US" dirty="0"/>
               <a:t>Spring </a:t>
             </a:r>
             <a:r>
-              <a:rPr lang="ru-RU" dirty="0" smtClean="0"/>
+              <a:rPr lang="ru-RU" dirty="0"/>
               <a:t>на конкретных примерах и заданиях.</a:t>
             </a:r>
             <a:endParaRPr lang="en-US" dirty="0"/>
@@ -3111,7 +3090,7 @@
         </p:nvSpPr>
         <p:spPr>
           <a:xfrm>
-            <a:off x="838200" y="625642"/>
+            <a:off x="490124" y="371642"/>
             <a:ext cx="10515600" cy="5551321"/>
           </a:xfrm>
         </p:spPr>
@@ -3123,101 +3102,105 @@
               <a:buNone/>
             </a:pPr>
             <a:r>
-              <a:rPr lang="ru-RU" dirty="0" smtClean="0"/>
+              <a:rPr lang="ru-RU" dirty="0"/>
               <a:t>В примере 1 продемонстрировано создание </a:t>
             </a:r>
             <a:r>
-              <a:rPr lang="ru-RU" dirty="0" err="1" smtClean="0"/>
+              <a:rPr lang="ru-RU" dirty="0" err="1"/>
               <a:t>бина</a:t>
             </a:r>
             <a:r>
-              <a:rPr lang="ru-RU" dirty="0" smtClean="0"/>
-              <a:t> с помощью </a:t>
-            </a:r>
-            <a:r>
-              <a:rPr lang="en-US" dirty="0" smtClean="0"/>
+              <a:rPr lang="en-CA" dirty="0"/>
+              <a:t> </a:t>
+            </a:r>
+            <a:r>
+              <a:rPr lang="ru-RU" dirty="0"/>
+              <a:t>с помощью </a:t>
+            </a:r>
+            <a:r>
+              <a:rPr lang="en-US" dirty="0"/>
               <a:t>XML </a:t>
             </a:r>
             <a:r>
-              <a:rPr lang="ru-RU" dirty="0" smtClean="0"/>
+              <a:rPr lang="ru-RU" dirty="0"/>
               <a:t>конфигурации через конструктор:</a:t>
             </a:r>
           </a:p>
           <a:p>
             <a:r>
-              <a:rPr lang="ru-RU" dirty="0" smtClean="0"/>
+              <a:rPr lang="ru-RU" dirty="0"/>
               <a:t>Мы имеем класс </a:t>
             </a:r>
             <a:r>
-              <a:rPr lang="en-US" dirty="0" err="1" smtClean="0"/>
+              <a:rPr lang="en-US" dirty="0" err="1"/>
               <a:t>ExampleBean</a:t>
             </a:r>
             <a:r>
-              <a:rPr lang="ru-RU" dirty="0" smtClean="0"/>
+              <a:rPr lang="ru-RU" dirty="0"/>
               <a:t>.</a:t>
             </a:r>
           </a:p>
           <a:p>
             <a:r>
-              <a:rPr lang="ru-RU" dirty="0" smtClean="0"/>
+              <a:rPr lang="ru-RU" dirty="0"/>
               <a:t>В </a:t>
             </a:r>
             <a:r>
-              <a:rPr lang="en-US" dirty="0" smtClean="0"/>
+              <a:rPr lang="en-US" dirty="0"/>
               <a:t>XML </a:t>
             </a:r>
             <a:r>
-              <a:rPr lang="ru-RU" dirty="0" smtClean="0"/>
+              <a:rPr lang="ru-RU" dirty="0"/>
               <a:t>файле описан бин:</a:t>
             </a:r>
-            <a:endParaRPr lang="en-US" dirty="0" smtClean="0"/>
-          </a:p>
-          <a:p>
             <a:endParaRPr lang="en-US" dirty="0"/>
           </a:p>
           <a:p>
-            <a:endParaRPr lang="en-US" dirty="0" smtClean="0"/>
-          </a:p>
-          <a:p>
             <a:endParaRPr lang="en-US" dirty="0"/>
           </a:p>
           <a:p>
-            <a:endParaRPr lang="en-US" dirty="0" smtClean="0"/>
+            <a:endParaRPr lang="en-US" dirty="0"/>
+          </a:p>
+          <a:p>
+            <a:endParaRPr lang="en-US" dirty="0"/>
+          </a:p>
+          <a:p>
+            <a:endParaRPr lang="en-US" dirty="0"/>
           </a:p>
           <a:p>
             <a:pPr marL="0" indent="0">
               <a:buNone/>
             </a:pPr>
             <a:r>
-              <a:rPr lang="ru-RU" dirty="0" smtClean="0"/>
+              <a:rPr lang="ru-RU" dirty="0"/>
               <a:t>Бин с именем </a:t>
             </a:r>
             <a:r>
-              <a:rPr lang="en-US" dirty="0" err="1" smtClean="0"/>
+              <a:rPr lang="en-US" dirty="0" err="1"/>
               <a:t>exampleBean</a:t>
             </a:r>
             <a:r>
-              <a:rPr lang="ru-RU" dirty="0" smtClean="0"/>
+              <a:rPr lang="ru-RU" dirty="0"/>
               <a:t> класса</a:t>
             </a:r>
             <a:r>
-              <a:rPr lang="en-US" dirty="0" smtClean="0"/>
+              <a:rPr lang="en-US" dirty="0"/>
               <a:t> </a:t>
             </a:r>
             <a:r>
-              <a:rPr lang="en-US" dirty="0" err="1" smtClean="0"/>
+              <a:rPr lang="en-US" dirty="0" err="1"/>
               <a:t>ExampleBean</a:t>
             </a:r>
             <a:r>
-              <a:rPr lang="en-US" dirty="0" smtClean="0"/>
+              <a:rPr lang="en-US" dirty="0"/>
               <a:t>, </a:t>
             </a:r>
             <a:r>
-              <a:rPr lang="ru-RU" dirty="0" smtClean="0"/>
+              <a:rPr lang="ru-RU" dirty="0"/>
               <a:t>в конструктор передан аргумент </a:t>
             </a:r>
             <a:r>
-              <a:rPr lang="en-US" dirty="0" smtClean="0"/>
+              <a:rPr lang="en-US" dirty="0"/>
               <a:t>“My name”.</a:t>
             </a:r>
           </a:p>
@@ -3247,6 +3230,52 @@
           </a:prstGeom>
         </p:spPr>
       </p:pic>
+      <p:sp>
+        <p:nvSpPr>
+          <p:cNvPr id="2" name="Прямоугольник 1">
+            <a:extLst>
+              <a:ext uri="{FF2B5EF4-FFF2-40B4-BE49-F238E27FC236}">
+                <a16:creationId xmlns:a16="http://schemas.microsoft.com/office/drawing/2014/main" id="{4A6A0A36-0216-4902-AB9D-634DF603DE12}"/>
+              </a:ext>
+            </a:extLst>
+          </p:cNvPr>
+          <p:cNvSpPr/>
+          <p:nvPr/>
+        </p:nvSpPr>
+        <p:spPr>
+          <a:xfrm>
+            <a:off x="615858" y="5922963"/>
+            <a:ext cx="3695884" cy="369332"/>
+          </a:xfrm>
+          <a:prstGeom prst="rect">
+            <a:avLst/>
+          </a:prstGeom>
+        </p:spPr>
+        <p:txBody>
+          <a:bodyPr wrap="none">
+            <a:spAutoFit/>
+          </a:bodyPr>
+          <a:lstStyle/>
+          <a:p>
+            <a:r>
+              <a:rPr lang="en-CA" dirty="0"/>
+              <a:t>(</a:t>
+            </a:r>
+            <a:r>
+              <a:rPr lang="ru-RU" dirty="0"/>
+              <a:t>в 1-2 предложения, что такое бин</a:t>
+            </a:r>
+            <a:r>
+              <a:rPr lang="en-CA" dirty="0"/>
+              <a:t>)</a:t>
+            </a:r>
+            <a:r>
+              <a:rPr lang="ru-RU" dirty="0"/>
+              <a:t> </a:t>
+            </a:r>
+          </a:p>
+        </p:txBody>
+      </p:sp>
     </p:spTree>
     <p:extLst>
       <p:ext uri="{BB962C8B-B14F-4D97-AF65-F5344CB8AC3E}">
@@ -3301,19 +3330,19 @@
               <a:buNone/>
             </a:pPr>
             <a:r>
-              <a:rPr lang="ru-RU" dirty="0" smtClean="0"/>
+              <a:rPr lang="ru-RU" dirty="0"/>
               <a:t>В </a:t>
             </a:r>
             <a:r>
-              <a:rPr lang="en-US" dirty="0" err="1" smtClean="0"/>
+              <a:rPr lang="en-US" dirty="0" err="1"/>
               <a:t>main’e</a:t>
             </a:r>
             <a:r>
-              <a:rPr lang="en-US" dirty="0" smtClean="0"/>
+              <a:rPr lang="en-US" dirty="0"/>
               <a:t> </a:t>
             </a:r>
             <a:r>
-              <a:rPr lang="ru-RU" dirty="0" smtClean="0"/>
+              <a:rPr lang="ru-RU" dirty="0"/>
               <a:t>создаём контекст:</a:t>
             </a:r>
           </a:p>
@@ -3328,15 +3357,15 @@
               <a:buNone/>
             </a:pPr>
             <a:r>
-              <a:rPr lang="ru-RU" dirty="0" smtClean="0"/>
+              <a:rPr lang="ru-RU" dirty="0"/>
               <a:t>В качестве параметра указываем путь к </a:t>
             </a:r>
             <a:r>
-              <a:rPr lang="en-US" dirty="0" smtClean="0"/>
+              <a:rPr lang="en-US" dirty="0"/>
               <a:t>XML </a:t>
             </a:r>
             <a:r>
-              <a:rPr lang="ru-RU" dirty="0" smtClean="0"/>
+              <a:rPr lang="ru-RU" dirty="0"/>
               <a:t>конфигурации.</a:t>
             </a:r>
           </a:p>
@@ -3350,57 +3379,40 @@
             <a:pPr marL="0" indent="0">
               <a:buNone/>
             </a:pPr>
-            <a:endParaRPr lang="ru-RU" dirty="0" smtClean="0"/>
+            <a:endParaRPr lang="ru-RU" dirty="0"/>
           </a:p>
           <a:p>
             <a:pPr marL="0" indent="0">
               <a:buNone/>
             </a:pPr>
             <a:r>
-              <a:rPr lang="ru-RU" dirty="0" smtClean="0"/>
+              <a:rPr lang="ru-RU" dirty="0"/>
               <a:t>Получаем объект с помощью метода </a:t>
             </a:r>
             <a:r>
-              <a:rPr lang="en-US" dirty="0" err="1" smtClean="0"/>
+              <a:rPr lang="en-US" dirty="0" err="1"/>
               <a:t>getBean</a:t>
             </a:r>
             <a:r>
-              <a:rPr lang="en-US" dirty="0" smtClean="0"/>
+              <a:rPr lang="en-US" dirty="0"/>
               <a:t>, </a:t>
             </a:r>
             <a:r>
-              <a:rPr lang="ru-RU" dirty="0" smtClean="0"/>
+              <a:rPr lang="ru-RU" dirty="0"/>
               <a:t>он возвращает объект класса </a:t>
             </a:r>
             <a:r>
-              <a:rPr lang="en-US" dirty="0" smtClean="0"/>
+              <a:rPr lang="en-US" dirty="0"/>
               <a:t>Object, </a:t>
             </a:r>
             <a:r>
-              <a:rPr lang="ru-RU" dirty="0" smtClean="0"/>
-              <a:t>поэтому необходимо привести тип объекта. Сделать это можно двумя способами </a:t>
-            </a:r>
-            <a:r>
-              <a:rPr lang="ru-RU" smtClean="0"/>
-              <a:t>продемонстрированными выше. </a:t>
-            </a:r>
-            <a:r>
-              <a:rPr lang="en-US" dirty="0" smtClean="0"/>
+              <a:rPr lang="ru-RU" dirty="0"/>
+              <a:t>поэтому необходимо привести тип объекта. Сделать это можно двумя способами продемонстрированными выше. </a:t>
+            </a:r>
+            <a:r>
+              <a:rPr lang="en-US" dirty="0"/>
               <a:t> </a:t>
             </a:r>
-            <a:endParaRPr lang="ru-RU" dirty="0" smtClean="0"/>
-          </a:p>
-          <a:p>
-            <a:pPr marL="0" indent="0">
-              <a:buNone/>
-            </a:pPr>
-            <a:endParaRPr lang="ru-RU" dirty="0" smtClean="0"/>
-          </a:p>
-          <a:p>
-            <a:pPr marL="0" indent="0">
-              <a:buNone/>
-            </a:pPr>
-            <a:endParaRPr lang="en-US" dirty="0"/>
           </a:p>
         </p:txBody>
       </p:sp>
@@ -3475,7 +3487,7 @@
               <a:tabLst/>
             </a:pPr>
             <a:r>
-              <a:rPr kumimoji="0" lang="ru-RU" altLang="en-US" b="0" i="0" u="none" strike="noStrike" cap="none" normalizeH="0" baseline="0" dirty="0" smtClean="0">
+              <a:rPr kumimoji="0" lang="ru-RU" altLang="en-US" b="0" i="0" u="none" strike="noStrike" cap="none" normalizeH="0" baseline="0" dirty="0">
                 <a:ln>
                   <a:noFill/>
                 </a:ln>
@@ -3488,7 +3500,7 @@
               <a:t>А</a:t>
             </a:r>
             <a:r>
-              <a:rPr kumimoji="0" lang="en-US" altLang="en-US" b="0" i="0" u="none" strike="noStrike" cap="none" normalizeH="0" baseline="0" dirty="0" err="1" smtClean="0">
+              <a:rPr kumimoji="0" lang="en-US" altLang="en-US" b="0" i="0" u="none" strike="noStrike" cap="none" normalizeH="0" baseline="0" dirty="0" err="1">
                 <a:ln>
                   <a:noFill/>
                 </a:ln>
@@ -3501,7 +3513,7 @@
               <a:t>pplicationContext</a:t>
             </a:r>
             <a:r>
-              <a:rPr kumimoji="0" lang="en-US" altLang="en-US" b="0" i="0" u="none" strike="noStrike" cap="none" normalizeH="0" baseline="0" dirty="0" smtClean="0">
+              <a:rPr kumimoji="0" lang="en-US" altLang="en-US" b="0" i="0" u="none" strike="noStrike" cap="none" normalizeH="0" baseline="0" dirty="0">
                 <a:ln>
                   <a:noFill/>
                 </a:ln>
@@ -3514,7 +3526,7 @@
               <a:t> context = </a:t>
             </a:r>
             <a:r>
-              <a:rPr kumimoji="0" lang="en-US" altLang="en-US" b="0" i="0" u="none" strike="noStrike" cap="none" normalizeH="0" baseline="0" dirty="0" smtClean="0">
+              <a:rPr kumimoji="0" lang="en-US" altLang="en-US" b="0" i="0" u="none" strike="noStrike" cap="none" normalizeH="0" baseline="0" dirty="0">
                 <a:ln>
                   <a:noFill/>
                 </a:ln>
@@ -3527,7 +3539,7 @@
               <a:t>new </a:t>
             </a:r>
             <a:r>
-              <a:rPr kumimoji="0" lang="en-US" altLang="en-US" b="0" i="0" u="none" strike="noStrike" cap="none" normalizeH="0" baseline="0" dirty="0" err="1" smtClean="0">
+              <a:rPr kumimoji="0" lang="en-US" altLang="en-US" b="0" i="0" u="none" strike="noStrike" cap="none" normalizeH="0" baseline="0" dirty="0" err="1">
                 <a:ln>
                   <a:noFill/>
                 </a:ln>
@@ -3540,7 +3552,7 @@
               <a:t>ClassPathXmlApplicationContext</a:t>
             </a:r>
             <a:r>
-              <a:rPr kumimoji="0" lang="en-US" altLang="en-US" b="0" i="0" u="none" strike="noStrike" cap="none" normalizeH="0" baseline="0" dirty="0" smtClean="0">
+              <a:rPr kumimoji="0" lang="en-US" altLang="en-US" b="0" i="0" u="none" strike="noStrike" cap="none" normalizeH="0" baseline="0" dirty="0">
                 <a:ln>
                   <a:noFill/>
                 </a:ln>
@@ -3553,7 +3565,7 @@
               <a:t>(</a:t>
             </a:r>
             <a:r>
-              <a:rPr kumimoji="0" lang="en-US" altLang="en-US" b="0" i="0" u="none" strike="noStrike" cap="none" normalizeH="0" baseline="0" dirty="0" smtClean="0">
+              <a:rPr kumimoji="0" lang="en-US" altLang="en-US" b="0" i="0" u="none" strike="noStrike" cap="none" normalizeH="0" baseline="0" dirty="0">
                 <a:ln>
                   <a:noFill/>
                 </a:ln>
@@ -3566,7 +3578,7 @@
               <a:t>"example1/application-context.xml"</a:t>
             </a:r>
             <a:r>
-              <a:rPr kumimoji="0" lang="en-US" altLang="en-US" b="0" i="0" u="none" strike="noStrike" cap="none" normalizeH="0" baseline="0" dirty="0" smtClean="0">
+              <a:rPr kumimoji="0" lang="en-US" altLang="en-US" b="0" i="0" u="none" strike="noStrike" cap="none" normalizeH="0" baseline="0" dirty="0">
                 <a:ln>
                   <a:noFill/>
                 </a:ln>
@@ -3579,7 +3591,7 @@
               <a:t>)</a:t>
             </a:r>
             <a:r>
-              <a:rPr kumimoji="0" lang="en-US" altLang="en-US" b="0" i="0" u="none" strike="noStrike" cap="none" normalizeH="0" baseline="0" dirty="0" smtClean="0">
+              <a:rPr kumimoji="0" lang="en-US" altLang="en-US" b="0" i="0" u="none" strike="noStrike" cap="none" normalizeH="0" baseline="0" dirty="0">
                 <a:ln>
                   <a:noFill/>
                 </a:ln>
@@ -3591,7 +3603,7 @@
               </a:rPr>
               <a:t>;</a:t>
             </a:r>
-            <a:endParaRPr kumimoji="0" lang="en-US" altLang="en-US" sz="4400" b="0" i="0" u="none" strike="noStrike" cap="none" normalizeH="0" baseline="0" dirty="0" smtClean="0">
+            <a:endParaRPr kumimoji="0" lang="en-US" altLang="en-US" sz="4400" b="0" i="0" u="none" strike="noStrike" cap="none" normalizeH="0" baseline="0" dirty="0">
               <a:ln>
                 <a:noFill/>
               </a:ln>
@@ -3675,7 +3687,7 @@
               <a:tabLst/>
             </a:pPr>
             <a:r>
-              <a:rPr kumimoji="0" lang="en-US" altLang="en-US" sz="2000" b="0" i="0" u="none" strike="noStrike" cap="none" normalizeH="0" baseline="0" dirty="0" err="1" smtClean="0">
+              <a:rPr kumimoji="0" lang="en-US" altLang="en-US" sz="2000" b="0" i="0" u="none" strike="noStrike" cap="none" normalizeH="0" baseline="0" dirty="0" err="1">
                 <a:ln>
                   <a:noFill/>
                 </a:ln>
@@ -3688,7 +3700,7 @@
               <a:t>ExampleBean</a:t>
             </a:r>
             <a:r>
-              <a:rPr kumimoji="0" lang="en-US" altLang="en-US" sz="2000" b="0" i="0" u="none" strike="noStrike" cap="none" normalizeH="0" baseline="0" dirty="0" smtClean="0">
+              <a:rPr kumimoji="0" lang="en-US" altLang="en-US" sz="2000" b="0" i="0" u="none" strike="noStrike" cap="none" normalizeH="0" baseline="0" dirty="0">
                 <a:ln>
                   <a:noFill/>
                 </a:ln>
@@ -3701,7 +3713,7 @@
               <a:t> bean = </a:t>
             </a:r>
             <a:r>
-              <a:rPr kumimoji="0" lang="en-US" altLang="en-US" sz="2000" b="0" i="0" u="none" strike="noStrike" cap="none" normalizeH="0" baseline="0" dirty="0" err="1" smtClean="0">
+              <a:rPr kumimoji="0" lang="en-US" altLang="en-US" sz="2000" b="0" i="0" u="none" strike="noStrike" cap="none" normalizeH="0" baseline="0" dirty="0" err="1">
                 <a:ln>
                   <a:noFill/>
                 </a:ln>
@@ -3714,7 +3726,7 @@
               <a:t>context.getBean</a:t>
             </a:r>
             <a:r>
-              <a:rPr kumimoji="0" lang="en-US" altLang="en-US" sz="2000" b="0" i="0" u="none" strike="noStrike" cap="none" normalizeH="0" baseline="0" dirty="0" smtClean="0">
+              <a:rPr kumimoji="0" lang="en-US" altLang="en-US" sz="2000" b="0" i="0" u="none" strike="noStrike" cap="none" normalizeH="0" baseline="0" dirty="0">
                 <a:ln>
                   <a:noFill/>
                 </a:ln>
@@ -3727,7 +3739,7 @@
               <a:t>(</a:t>
             </a:r>
             <a:r>
-              <a:rPr kumimoji="0" lang="en-US" altLang="en-US" sz="2000" b="0" i="0" u="none" strike="noStrike" cap="none" normalizeH="0" baseline="0" dirty="0" smtClean="0">
+              <a:rPr kumimoji="0" lang="en-US" altLang="en-US" sz="2000" b="0" i="0" u="none" strike="noStrike" cap="none" normalizeH="0" baseline="0" dirty="0">
                 <a:ln>
                   <a:noFill/>
                 </a:ln>
@@ -3740,7 +3752,7 @@
               <a:t>"</a:t>
             </a:r>
             <a:r>
-              <a:rPr kumimoji="0" lang="en-US" altLang="en-US" sz="2000" b="0" i="0" u="none" strike="noStrike" cap="none" normalizeH="0" baseline="0" dirty="0" err="1" smtClean="0">
+              <a:rPr kumimoji="0" lang="en-US" altLang="en-US" sz="2000" b="0" i="0" u="none" strike="noStrike" cap="none" normalizeH="0" baseline="0" dirty="0" err="1">
                 <a:ln>
                   <a:noFill/>
                 </a:ln>
@@ -3753,7 +3765,7 @@
               <a:t>exampleBean</a:t>
             </a:r>
             <a:r>
-              <a:rPr kumimoji="0" lang="en-US" altLang="en-US" sz="2000" b="0" i="0" u="none" strike="noStrike" cap="none" normalizeH="0" baseline="0" dirty="0" smtClean="0">
+              <a:rPr kumimoji="0" lang="en-US" altLang="en-US" sz="2000" b="0" i="0" u="none" strike="noStrike" cap="none" normalizeH="0" baseline="0" dirty="0">
                 <a:ln>
                   <a:noFill/>
                 </a:ln>
@@ -3766,7 +3778,7 @@
               <a:t>"</a:t>
             </a:r>
             <a:r>
-              <a:rPr kumimoji="0" lang="en-US" altLang="en-US" sz="2000" b="0" i="0" u="none" strike="noStrike" cap="none" normalizeH="0" baseline="0" dirty="0" smtClean="0">
+              <a:rPr kumimoji="0" lang="en-US" altLang="en-US" sz="2000" b="0" i="0" u="none" strike="noStrike" cap="none" normalizeH="0" baseline="0" dirty="0">
                 <a:ln>
                   <a:noFill/>
                 </a:ln>
@@ -3779,7 +3791,7 @@
               <a:t>, </a:t>
             </a:r>
             <a:r>
-              <a:rPr kumimoji="0" lang="en-US" altLang="en-US" sz="2000" b="0" i="0" u="none" strike="noStrike" cap="none" normalizeH="0" baseline="0" dirty="0" err="1" smtClean="0">
+              <a:rPr kumimoji="0" lang="en-US" altLang="en-US" sz="2000" b="0" i="0" u="none" strike="noStrike" cap="none" normalizeH="0" baseline="0" dirty="0" err="1">
                 <a:ln>
                   <a:noFill/>
                 </a:ln>
@@ -3792,7 +3804,7 @@
               <a:t>ExampleBean.</a:t>
             </a:r>
             <a:r>
-              <a:rPr kumimoji="0" lang="en-US" altLang="en-US" sz="2000" b="0" i="0" u="none" strike="noStrike" cap="none" normalizeH="0" baseline="0" dirty="0" err="1" smtClean="0">
+              <a:rPr kumimoji="0" lang="en-US" altLang="en-US" sz="2000" b="0" i="0" u="none" strike="noStrike" cap="none" normalizeH="0" baseline="0" dirty="0" err="1">
                 <a:ln>
                   <a:noFill/>
                 </a:ln>
@@ -3805,7 +3817,7 @@
               <a:t>class</a:t>
             </a:r>
             <a:r>
-              <a:rPr kumimoji="0" lang="en-US" altLang="en-US" sz="2000" b="0" i="0" u="none" strike="noStrike" cap="none" normalizeH="0" baseline="0" dirty="0" smtClean="0">
+              <a:rPr kumimoji="0" lang="en-US" altLang="en-US" sz="2000" b="0" i="0" u="none" strike="noStrike" cap="none" normalizeH="0" baseline="0" dirty="0">
                 <a:ln>
                   <a:noFill/>
                 </a:ln>
@@ -3818,7 +3830,7 @@
               <a:t>)</a:t>
             </a:r>
             <a:r>
-              <a:rPr kumimoji="0" lang="en-US" altLang="en-US" sz="2000" b="0" i="0" u="none" strike="noStrike" cap="none" normalizeH="0" baseline="0" dirty="0" smtClean="0">
+              <a:rPr kumimoji="0" lang="en-US" altLang="en-US" sz="2000" b="0" i="0" u="none" strike="noStrike" cap="none" normalizeH="0" baseline="0" dirty="0">
                 <a:ln>
                   <a:noFill/>
                 </a:ln>
@@ -3831,7 +3843,7 @@
               <a:t>;</a:t>
             </a:r>
             <a:br>
-              <a:rPr kumimoji="0" lang="en-US" altLang="en-US" sz="2000" b="0" i="0" u="none" strike="noStrike" cap="none" normalizeH="0" baseline="0" dirty="0" smtClean="0">
+              <a:rPr kumimoji="0" lang="en-US" altLang="en-US" sz="2000" b="0" i="0" u="none" strike="noStrike" cap="none" normalizeH="0" baseline="0" dirty="0">
                 <a:ln>
                   <a:noFill/>
                 </a:ln>
@@ -3843,7 +3855,7 @@
               </a:rPr>
             </a:br>
             <a:r>
-              <a:rPr kumimoji="0" lang="en-US" altLang="en-US" sz="2000" b="0" i="0" u="none" strike="noStrike" cap="none" normalizeH="0" baseline="0" dirty="0" err="1" smtClean="0">
+              <a:rPr kumimoji="0" lang="en-US" altLang="en-US" sz="2000" b="0" i="0" u="none" strike="noStrike" cap="none" normalizeH="0" baseline="0" dirty="0" err="1">
                 <a:ln>
                   <a:noFill/>
                 </a:ln>
@@ -3856,7 +3868,7 @@
               <a:t>ExampleBean</a:t>
             </a:r>
             <a:r>
-              <a:rPr kumimoji="0" lang="en-US" altLang="en-US" sz="2000" b="0" i="0" u="none" strike="noStrike" cap="none" normalizeH="0" baseline="0" dirty="0" smtClean="0">
+              <a:rPr kumimoji="0" lang="en-US" altLang="en-US" sz="2000" b="0" i="0" u="none" strike="noStrike" cap="none" normalizeH="0" baseline="0" dirty="0">
                 <a:ln>
                   <a:noFill/>
                 </a:ln>
@@ -3869,7 +3881,7 @@
               <a:t> bean2 = (</a:t>
             </a:r>
             <a:r>
-              <a:rPr kumimoji="0" lang="en-US" altLang="en-US" sz="2000" b="0" i="0" u="none" strike="noStrike" cap="none" normalizeH="0" baseline="0" dirty="0" err="1" smtClean="0">
+              <a:rPr kumimoji="0" lang="en-US" altLang="en-US" sz="2000" b="0" i="0" u="none" strike="noStrike" cap="none" normalizeH="0" baseline="0" dirty="0" err="1">
                 <a:ln>
                   <a:noFill/>
                 </a:ln>
@@ -3882,7 +3894,7 @@
               <a:t>ExampleBean</a:t>
             </a:r>
             <a:r>
-              <a:rPr kumimoji="0" lang="en-US" altLang="en-US" sz="2000" b="0" i="0" u="none" strike="noStrike" cap="none" normalizeH="0" baseline="0" dirty="0" smtClean="0">
+              <a:rPr kumimoji="0" lang="en-US" altLang="en-US" sz="2000" b="0" i="0" u="none" strike="noStrike" cap="none" normalizeH="0" baseline="0" dirty="0">
                 <a:ln>
                   <a:noFill/>
                 </a:ln>
@@ -3895,7 +3907,7 @@
               <a:t>) </a:t>
             </a:r>
             <a:r>
-              <a:rPr kumimoji="0" lang="en-US" altLang="en-US" sz="2000" b="0" i="0" u="none" strike="noStrike" cap="none" normalizeH="0" baseline="0" dirty="0" err="1" smtClean="0">
+              <a:rPr kumimoji="0" lang="en-US" altLang="en-US" sz="2000" b="0" i="0" u="none" strike="noStrike" cap="none" normalizeH="0" baseline="0" dirty="0" err="1">
                 <a:ln>
                   <a:noFill/>
                 </a:ln>
@@ -3908,7 +3920,7 @@
               <a:t>context.getBean</a:t>
             </a:r>
             <a:r>
-              <a:rPr kumimoji="0" lang="en-US" altLang="en-US" sz="2000" b="0" i="0" u="none" strike="noStrike" cap="none" normalizeH="0" baseline="0" dirty="0" smtClean="0">
+              <a:rPr kumimoji="0" lang="en-US" altLang="en-US" sz="2000" b="0" i="0" u="none" strike="noStrike" cap="none" normalizeH="0" baseline="0" dirty="0">
                 <a:ln>
                   <a:noFill/>
                 </a:ln>
@@ -3921,7 +3933,7 @@
               <a:t>(</a:t>
             </a:r>
             <a:r>
-              <a:rPr kumimoji="0" lang="en-US" altLang="en-US" sz="2000" b="0" i="0" u="none" strike="noStrike" cap="none" normalizeH="0" baseline="0" dirty="0" smtClean="0">
+              <a:rPr kumimoji="0" lang="en-US" altLang="en-US" sz="2000" b="0" i="0" u="none" strike="noStrike" cap="none" normalizeH="0" baseline="0" dirty="0">
                 <a:ln>
                   <a:noFill/>
                 </a:ln>
@@ -3934,7 +3946,7 @@
               <a:t>"</a:t>
             </a:r>
             <a:r>
-              <a:rPr kumimoji="0" lang="en-US" altLang="en-US" sz="2000" b="0" i="0" u="none" strike="noStrike" cap="none" normalizeH="0" baseline="0" dirty="0" err="1" smtClean="0">
+              <a:rPr kumimoji="0" lang="en-US" altLang="en-US" sz="2000" b="0" i="0" u="none" strike="noStrike" cap="none" normalizeH="0" baseline="0" dirty="0" err="1">
                 <a:ln>
                   <a:noFill/>
                 </a:ln>
@@ -3947,7 +3959,7 @@
               <a:t>exampleBean</a:t>
             </a:r>
             <a:r>
-              <a:rPr kumimoji="0" lang="en-US" altLang="en-US" sz="2000" b="0" i="0" u="none" strike="noStrike" cap="none" normalizeH="0" baseline="0" dirty="0" smtClean="0">
+              <a:rPr kumimoji="0" lang="en-US" altLang="en-US" sz="2000" b="0" i="0" u="none" strike="noStrike" cap="none" normalizeH="0" baseline="0" dirty="0">
                 <a:ln>
                   <a:noFill/>
                 </a:ln>
@@ -3960,7 +3972,7 @@
               <a:t>"</a:t>
             </a:r>
             <a:r>
-              <a:rPr kumimoji="0" lang="en-US" altLang="en-US" sz="2000" b="0" i="0" u="none" strike="noStrike" cap="none" normalizeH="0" baseline="0" dirty="0" smtClean="0">
+              <a:rPr kumimoji="0" lang="en-US" altLang="en-US" sz="2000" b="0" i="0" u="none" strike="noStrike" cap="none" normalizeH="0" baseline="0" dirty="0">
                 <a:ln>
                   <a:noFill/>
                 </a:ln>
@@ -3973,7 +3985,7 @@
               <a:t>)</a:t>
             </a:r>
             <a:r>
-              <a:rPr kumimoji="0" lang="en-US" altLang="en-US" sz="2000" b="0" i="0" u="none" strike="noStrike" cap="none" normalizeH="0" baseline="0" dirty="0" smtClean="0">
+              <a:rPr kumimoji="0" lang="en-US" altLang="en-US" sz="2000" b="0" i="0" u="none" strike="noStrike" cap="none" normalizeH="0" baseline="0" dirty="0">
                 <a:ln>
                   <a:noFill/>
                 </a:ln>
@@ -3985,7 +3997,7 @@
               </a:rPr>
               <a:t>;</a:t>
             </a:r>
-            <a:endParaRPr kumimoji="0" lang="en-US" altLang="en-US" sz="4800" b="0" i="0" u="none" strike="noStrike" cap="none" normalizeH="0" baseline="0" dirty="0" smtClean="0">
+            <a:endParaRPr kumimoji="0" lang="en-US" altLang="en-US" sz="4800" b="0" i="0" u="none" strike="noStrike" cap="none" normalizeH="0" baseline="0" dirty="0">
               <a:ln>
                 <a:noFill/>
               </a:ln>
